--- a/FinalProject/Slides/adv_prog_final.pptx
+++ b/FinalProject/Slides/adv_prog_final.pptx
@@ -20894,7 +20894,7 @@
             <a:tbl>
               <a:tblPr>
                 <a:noFill/>
-                <a:tableStyleId>{E163E41D-77D6-459E-BF69-C625E1B074FB}</a:tableStyleId>
+                <a:tableStyleId>{C5058C64-AA00-4FC7-82CB-21122BAE562E}</a:tableStyleId>
               </a:tblPr>
               <a:tblGrid>
                 <a:gridCol w="3510525"/>
@@ -21672,7 +21672,7 @@
             <a:tbl>
               <a:tblPr bandRow="1" firstRow="1">
                 <a:noFill/>
-                <a:tableStyleId>{0B883D79-3635-4D49-A00E-5D6DB966FD8F}</a:tableStyleId>
+                <a:tableStyleId>{AD464AAB-7C4E-40DC-819B-7B712C4AD20B}</a:tableStyleId>
               </a:tblPr>
               <a:tblGrid>
                 <a:gridCol w="3048000"/>
@@ -22485,7 +22485,7 @@
                           <a:cs typeface="Georgia"/>
                           <a:sym typeface="Georgia"/>
                         </a:rPr>
-                        <a:t>Yes</a:t>
+                        <a:t>Yes (Logs any data preparation &amp; cleaning done)</a:t>
                       </a:r>
                       <a:endParaRPr sz="900">
                         <a:latin typeface="Georgia"/>
@@ -22551,9 +22551,9 @@
 </file>
 
 <file path=ppt/theme/theme1.xml><?xml version="1.0" encoding="utf-8"?>
-<a:theme xmlns:a="http://schemas.openxmlformats.org/drawingml/2006/main" xmlns:r="http://schemas.openxmlformats.org/officeDocument/2006/relationships" name="Office Theme">
+<a:theme xmlns:a="http://schemas.openxmlformats.org/drawingml/2006/main" xmlns:r="http://schemas.openxmlformats.org/officeDocument/2006/relationships">
   <a:themeElements>
-    <a:clrScheme name="Office">
+    <a:clrScheme name="Default">
       <a:dk1>
         <a:srgbClr val="000000"/>
       </a:dk1>
@@ -22561,34 +22561,34 @@
         <a:srgbClr val="FFFFFF"/>
       </a:lt1>
       <a:dk2>
-        <a:srgbClr val="44546A"/>
+        <a:srgbClr val="158158"/>
       </a:dk2>
       <a:lt2>
-        <a:srgbClr val="E7E6E6"/>
+        <a:srgbClr val="F3F3F3"/>
       </a:lt2>
       <a:accent1>
-        <a:srgbClr val="5B9BD5"/>
+        <a:srgbClr val="058DC7"/>
       </a:accent1>
       <a:accent2>
-        <a:srgbClr val="ED7D31"/>
+        <a:srgbClr val="50B432"/>
       </a:accent2>
       <a:accent3>
-        <a:srgbClr val="A5A5A5"/>
+        <a:srgbClr val="ED561B"/>
       </a:accent3>
       <a:accent4>
-        <a:srgbClr val="FFC000"/>
+        <a:srgbClr val="EDEF00"/>
       </a:accent4>
       <a:accent5>
-        <a:srgbClr val="4472C4"/>
+        <a:srgbClr val="24CBE5"/>
       </a:accent5>
       <a:accent6>
-        <a:srgbClr val="70AD47"/>
+        <a:srgbClr val="64E572"/>
       </a:accent6>
       <a:hlink>
-        <a:srgbClr val="0563C1"/>
+        <a:srgbClr val="2200CC"/>
       </a:hlink>
       <a:folHlink>
-        <a:srgbClr val="954F72"/>
+        <a:srgbClr val="551A8B"/>
       </a:folHlink>
     </a:clrScheme>
     <a:fontScheme name="Office">
@@ -23109,9 +23109,9 @@
 </file>
 
 <file path=ppt/theme/theme3.xml><?xml version="1.0" encoding="utf-8"?>
-<a:theme xmlns:a="http://schemas.openxmlformats.org/drawingml/2006/main" xmlns:r="http://schemas.openxmlformats.org/officeDocument/2006/relationships">
+<a:theme xmlns:a="http://schemas.openxmlformats.org/drawingml/2006/main" xmlns:r="http://schemas.openxmlformats.org/officeDocument/2006/relationships" name="Office Theme">
   <a:themeElements>
-    <a:clrScheme name="Default">
+    <a:clrScheme name="Office">
       <a:dk1>
         <a:srgbClr val="000000"/>
       </a:dk1>
@@ -23119,34 +23119,34 @@
         <a:srgbClr val="FFFFFF"/>
       </a:lt1>
       <a:dk2>
-        <a:srgbClr val="158158"/>
+        <a:srgbClr val="44546A"/>
       </a:dk2>
       <a:lt2>
-        <a:srgbClr val="F3F3F3"/>
+        <a:srgbClr val="E7E6E6"/>
       </a:lt2>
       <a:accent1>
-        <a:srgbClr val="058DC7"/>
+        <a:srgbClr val="5B9BD5"/>
       </a:accent1>
       <a:accent2>
-        <a:srgbClr val="50B432"/>
+        <a:srgbClr val="ED7D31"/>
       </a:accent2>
       <a:accent3>
-        <a:srgbClr val="ED561B"/>
+        <a:srgbClr val="A5A5A5"/>
       </a:accent3>
       <a:accent4>
-        <a:srgbClr val="EDEF00"/>
+        <a:srgbClr val="FFC000"/>
       </a:accent4>
       <a:accent5>
-        <a:srgbClr val="24CBE5"/>
+        <a:srgbClr val="4472C4"/>
       </a:accent5>
       <a:accent6>
-        <a:srgbClr val="64E572"/>
+        <a:srgbClr val="70AD47"/>
       </a:accent6>
       <a:hlink>
-        <a:srgbClr val="2200CC"/>
+        <a:srgbClr val="0563C1"/>
       </a:hlink>
       <a:folHlink>
-        <a:srgbClr val="551A8B"/>
+        <a:srgbClr val="954F72"/>
       </a:folHlink>
     </a:clrScheme>
     <a:fontScheme name="Office">
